--- a/Лекции/ООП 1 лек 2.pptx
+++ b/Лекции/ООП 1 лек 2.pptx
@@ -278,7 +278,7 @@
             <a:fld id="{AA2F9473-F066-431E-A6E8-1D478C995A6B}" type="datetimeFigureOut">
               <a:rPr lang="en-US" smtClean="0"/>
               <a:pPr/>
-              <a:t>1/23/2025</a:t>
+              <a:t>4/15/2025</a:t>
             </a:fld>
             <a:endParaRPr lang="en-US"/>
           </a:p>
@@ -6734,7 +6734,7 @@
           <p:cNvPr id="9" name="Номер слайда 3">
             <a:extLst>
               <a:ext uri="{FF2B5EF4-FFF2-40B4-BE49-F238E27FC236}">
-                <a16:creationId xmlns:a16="http://schemas.microsoft.com/office/drawing/2014/main" xmlns="" id="{3DF48714-7FE4-4364-BF9D-28B9C9E2979D}"/>
+                <a16:creationId xmlns:a16="http://schemas.microsoft.com/office/drawing/2014/main" id="{3DF48714-7FE4-4364-BF9D-28B9C9E2979D}"/>
               </a:ext>
             </a:extLst>
           </p:cNvPr>
@@ -6873,7 +6873,7 @@
           <p:cNvPr id="7" name="Номер слайда 3">
             <a:extLst>
               <a:ext uri="{FF2B5EF4-FFF2-40B4-BE49-F238E27FC236}">
-                <a16:creationId xmlns:a16="http://schemas.microsoft.com/office/drawing/2014/main" xmlns="" id="{3DF48714-7FE4-4364-BF9D-28B9C9E2979D}"/>
+                <a16:creationId xmlns:a16="http://schemas.microsoft.com/office/drawing/2014/main" id="{3DF48714-7FE4-4364-BF9D-28B9C9E2979D}"/>
               </a:ext>
             </a:extLst>
           </p:cNvPr>
@@ -7155,7 +7155,7 @@
           <p:cNvPr id="9" name="Номер слайда 3">
             <a:extLst>
               <a:ext uri="{FF2B5EF4-FFF2-40B4-BE49-F238E27FC236}">
-                <a16:creationId xmlns:a16="http://schemas.microsoft.com/office/drawing/2014/main" xmlns="" id="{3DF48714-7FE4-4364-BF9D-28B9C9E2979D}"/>
+                <a16:creationId xmlns:a16="http://schemas.microsoft.com/office/drawing/2014/main" id="{3DF48714-7FE4-4364-BF9D-28B9C9E2979D}"/>
               </a:ext>
             </a:extLst>
           </p:cNvPr>
@@ -7592,7 +7592,7 @@
           <p:cNvPr id="17" name="Заголовок 16">
             <a:extLst>
               <a:ext uri="{FF2B5EF4-FFF2-40B4-BE49-F238E27FC236}">
-                <a16:creationId xmlns:a16="http://schemas.microsoft.com/office/drawing/2014/main" xmlns="" id="{D630362D-1F09-46B4-9DE4-AEA483AC82FD}"/>
+                <a16:creationId xmlns:a16="http://schemas.microsoft.com/office/drawing/2014/main" id="{D630362D-1F09-46B4-9DE4-AEA483AC82FD}"/>
               </a:ext>
             </a:extLst>
           </p:cNvPr>
@@ -7626,9 +7626,9 @@
                 <a:latin typeface="Bookman Old Style" panose="02050604050505020204" pitchFamily="18" charset="0"/>
                 <a:cs typeface="Times New Roman" panose="02020603050405020304" pitchFamily="18" charset="0"/>
               </a:rPr>
-              <a:t>4 </a:t>
-            </a:r>
-            <a:r>
+              <a:t>4 семестр</a:t>
+            </a:r>
+            <a:br>
               <a:rPr lang="ru-RU" sz="2800" b="1" dirty="0" smtClean="0">
                 <a:solidFill>
                   <a:schemeClr val="tx2">
@@ -7638,9 +7638,8 @@
                 <a:latin typeface="Bookman Old Style" panose="02050604050505020204" pitchFamily="18" charset="0"/>
                 <a:cs typeface="Times New Roman" panose="02020603050405020304" pitchFamily="18" charset="0"/>
               </a:rPr>
-              <a:t>семестр</a:t>
-            </a:r>
-            <a:br>
+            </a:br>
+            <a:r>
               <a:rPr lang="ru-RU" sz="2800" b="1" dirty="0" smtClean="0">
                 <a:solidFill>
                   <a:schemeClr val="tx2">
@@ -7650,9 +7649,10 @@
                 <a:latin typeface="Bookman Old Style" panose="02050604050505020204" pitchFamily="18" charset="0"/>
                 <a:cs typeface="Times New Roman" panose="02020603050405020304" pitchFamily="18" charset="0"/>
               </a:rPr>
-            </a:br>
-            <a:r>
-              <a:rPr lang="ru-RU" sz="2800" b="1" dirty="0" smtClean="0">
+              <a:t>Лекция 2. </a:t>
+            </a:r>
+            <a:r>
+              <a:rPr lang="ru-RU" sz="2800" b="1" dirty="0">
                 <a:solidFill>
                   <a:schemeClr val="tx2">
                     <a:lumMod val="50000"/>
@@ -7661,7 +7661,7 @@
                 <a:latin typeface="Bookman Old Style" panose="02050604050505020204" pitchFamily="18" charset="0"/>
                 <a:cs typeface="Times New Roman" panose="02020603050405020304" pitchFamily="18" charset="0"/>
               </a:rPr>
-              <a:t>Лекция 2. </a:t>
+              <a:t>Гибкая </a:t>
             </a:r>
             <a:r>
               <a:rPr lang="ru-RU" sz="2800" b="1" dirty="0" smtClean="0">
@@ -7673,7 +7673,7 @@
                 <a:latin typeface="Bookman Old Style" panose="02050604050505020204" pitchFamily="18" charset="0"/>
                 <a:cs typeface="Times New Roman" panose="02020603050405020304" pitchFamily="18" charset="0"/>
               </a:rPr>
-              <a:t>Шаблоны проектирования</a:t>
+              <a:t>архитектура</a:t>
             </a:r>
             <a:r>
               <a:rPr lang="ru-RU" sz="2800" b="1" dirty="0" smtClean="0">
@@ -7838,7 +7838,7 @@
           <p:cNvPr id="12" name="TextBox 11">
             <a:extLst>
               <a:ext uri="{FF2B5EF4-FFF2-40B4-BE49-F238E27FC236}">
-                <a16:creationId xmlns:a16="http://schemas.microsoft.com/office/drawing/2014/main" xmlns="" id="{F7B00361-5492-4290-B470-295172C16526}"/>
+                <a16:creationId xmlns:a16="http://schemas.microsoft.com/office/drawing/2014/main" id="{F7B00361-5492-4290-B470-295172C16526}"/>
               </a:ext>
             </a:extLst>
           </p:cNvPr>
@@ -7986,19 +7986,7 @@
                 <a:latin typeface="Bookman Old Style" panose="02050604050505020204" pitchFamily="18" charset="0"/>
                 <a:cs typeface="Times New Roman" panose="02020603050405020304" pitchFamily="18" charset="0"/>
               </a:rPr>
-              <a:t>Dependency </a:t>
-            </a:r>
-            <a:r>
-              <a:rPr lang="en-US" sz="2800" dirty="0" smtClean="0">
-                <a:solidFill>
-                  <a:schemeClr val="tx2">
-                    <a:lumMod val="50000"/>
-                  </a:schemeClr>
-                </a:solidFill>
-                <a:latin typeface="Bookman Old Style" panose="02050604050505020204" pitchFamily="18" charset="0"/>
-                <a:cs typeface="Times New Roman" panose="02020603050405020304" pitchFamily="18" charset="0"/>
-              </a:rPr>
-              <a:t>Injection</a:t>
+              <a:t>Dependency Injection</a:t>
             </a:r>
             <a:endParaRPr lang="ru-RU" sz="2800" dirty="0" smtClean="0">
               <a:solidFill>
@@ -24214,9 +24202,6 @@
               </a:rPr>
               <a:t> - некоторая сущность, от которой зависит другая сущность.</a:t>
             </a:r>
-            <a:endParaRPr lang="ru-RU" sz="2400" dirty="0">
-              <a:latin typeface="Bookman Old Style" panose="02050604050505020204" pitchFamily="18" charset="0"/>
-            </a:endParaRPr>
           </a:p>
         </p:txBody>
       </p:sp>

--- a/Лекции/ООП 1 лек 2.pptx
+++ b/Лекции/ООП 1 лек 2.pptx
@@ -259,7 +259,7 @@
             <a:fld id="{AA2F9473-F066-431E-A6E8-1D478C995A6B}" type="datetimeFigureOut">
               <a:rPr lang="en-US" smtClean="0"/>
               <a:pPr/>
-              <a:t>5/7/2025</a:t>
+              <a:t>11/5/2025</a:t>
             </a:fld>
             <a:endParaRPr lang="en-US"/>
           </a:p>
@@ -5005,7 +5005,7 @@
           <p:cNvPr id="9" name="Номер слайда 3">
             <a:extLst>
               <a:ext uri="{FF2B5EF4-FFF2-40B4-BE49-F238E27FC236}">
-                <a16:creationId xmlns:a16="http://schemas.microsoft.com/office/drawing/2014/main" id="{3DF48714-7FE4-4364-BF9D-28B9C9E2979D}"/>
+                <a16:creationId xmlns:a16="http://schemas.microsoft.com/office/drawing/2014/main" xmlns="" id="{3DF48714-7FE4-4364-BF9D-28B9C9E2979D}"/>
               </a:ext>
             </a:extLst>
           </p:cNvPr>
@@ -5144,7 +5144,7 @@
           <p:cNvPr id="7" name="Номер слайда 3">
             <a:extLst>
               <a:ext uri="{FF2B5EF4-FFF2-40B4-BE49-F238E27FC236}">
-                <a16:creationId xmlns:a16="http://schemas.microsoft.com/office/drawing/2014/main" id="{3DF48714-7FE4-4364-BF9D-28B9C9E2979D}"/>
+                <a16:creationId xmlns:a16="http://schemas.microsoft.com/office/drawing/2014/main" xmlns="" id="{3DF48714-7FE4-4364-BF9D-28B9C9E2979D}"/>
               </a:ext>
             </a:extLst>
           </p:cNvPr>
@@ -5426,7 +5426,7 @@
           <p:cNvPr id="9" name="Номер слайда 3">
             <a:extLst>
               <a:ext uri="{FF2B5EF4-FFF2-40B4-BE49-F238E27FC236}">
-                <a16:creationId xmlns:a16="http://schemas.microsoft.com/office/drawing/2014/main" id="{3DF48714-7FE4-4364-BF9D-28B9C9E2979D}"/>
+                <a16:creationId xmlns:a16="http://schemas.microsoft.com/office/drawing/2014/main" xmlns="" id="{3DF48714-7FE4-4364-BF9D-28B9C9E2979D}"/>
               </a:ext>
             </a:extLst>
           </p:cNvPr>
@@ -5863,7 +5863,7 @@
           <p:cNvPr id="17" name="Заголовок 16">
             <a:extLst>
               <a:ext uri="{FF2B5EF4-FFF2-40B4-BE49-F238E27FC236}">
-                <a16:creationId xmlns:a16="http://schemas.microsoft.com/office/drawing/2014/main" id="{D630362D-1F09-46B4-9DE4-AEA483AC82FD}"/>
+                <a16:creationId xmlns:a16="http://schemas.microsoft.com/office/drawing/2014/main" xmlns="" id="{D630362D-1F09-46B4-9DE4-AEA483AC82FD}"/>
               </a:ext>
             </a:extLst>
           </p:cNvPr>
@@ -5911,7 +5911,7 @@
               </a:rPr>
             </a:br>
             <a:r>
-              <a:rPr lang="ru-RU" sz="2800" b="1" smtClean="0">
+              <a:rPr lang="ru-RU" sz="2800" b="1" dirty="0" smtClean="0">
                 <a:solidFill>
                   <a:schemeClr val="tx2">
                     <a:lumMod val="50000"/>
@@ -5923,7 +5923,7 @@
               <a:t>Лекция </a:t>
             </a:r>
             <a:r>
-              <a:rPr lang="ru-RU" sz="2800" b="1" smtClean="0">
+              <a:rPr lang="ru-RU" sz="2800" b="1" dirty="0" smtClean="0">
                 <a:solidFill>
                   <a:schemeClr val="tx2">
                     <a:lumMod val="50000"/>
@@ -5932,7 +5932,7 @@
                 <a:latin typeface="Bookman Old Style" panose="02050604050505020204" pitchFamily="18" charset="0"/>
                 <a:cs typeface="Times New Roman" panose="02020603050405020304" pitchFamily="18" charset="0"/>
               </a:rPr>
-              <a:t>1.</a:t>
+              <a:t>2.</a:t>
             </a:r>
             <a:r>
               <a:rPr lang="ru-RU" sz="2800" b="1" dirty="0">
@@ -6078,7 +6078,7 @@
           <p:cNvPr id="12" name="TextBox 11">
             <a:extLst>
               <a:ext uri="{FF2B5EF4-FFF2-40B4-BE49-F238E27FC236}">
-                <a16:creationId xmlns:a16="http://schemas.microsoft.com/office/drawing/2014/main" id="{F7B00361-5492-4290-B470-295172C16526}"/>
+                <a16:creationId xmlns:a16="http://schemas.microsoft.com/office/drawing/2014/main" xmlns="" id="{F7B00361-5492-4290-B470-295172C16526}"/>
               </a:ext>
             </a:extLst>
           </p:cNvPr>
